--- a/Documentation/UbiComp Video Demo.pptx
+++ b/Documentation/UbiComp Video Demo.pptx
@@ -7,10 +7,11 @@
   <p:sldIdLst>
     <p:sldId id="256" r:id="rId2"/>
     <p:sldId id="257" r:id="rId3"/>
-    <p:sldId id="258" r:id="rId4"/>
-    <p:sldId id="259" r:id="rId5"/>
-    <p:sldId id="260" r:id="rId6"/>
-    <p:sldId id="261" r:id="rId7"/>
+    <p:sldId id="262" r:id="rId4"/>
+    <p:sldId id="258" r:id="rId5"/>
+    <p:sldId id="259" r:id="rId6"/>
+    <p:sldId id="260" r:id="rId7"/>
+    <p:sldId id="261" r:id="rId8"/>
   </p:sldIdLst>
   <p:sldSz cx="12192000" cy="6858000"/>
   <p:notesSz cx="6858000" cy="9144000"/>
@@ -8082,7 +8083,7 @@
             <a:fld id="{5586B75A-687E-405C-8A0B-8D00578BA2C3}" type="datetimeFigureOut">
               <a:rPr lang="en-US" dirty="0"/>
               <a:pPr/>
-              <a:t>5/15/2023</a:t>
+              <a:t>5/16/2023</a:t>
             </a:fld>
             <a:endParaRPr lang="en-US" dirty="0"/>
           </a:p>
@@ -8252,7 +8253,7 @@
             <a:fld id="{5586B75A-687E-405C-8A0B-8D00578BA2C3}" type="datetimeFigureOut">
               <a:rPr lang="en-US" dirty="0"/>
               <a:pPr/>
-              <a:t>5/15/2023</a:t>
+              <a:t>5/16/2023</a:t>
             </a:fld>
             <a:endParaRPr lang="en-US" dirty="0"/>
           </a:p>
@@ -8432,7 +8433,7 @@
             <a:fld id="{5586B75A-687E-405C-8A0B-8D00578BA2C3}" type="datetimeFigureOut">
               <a:rPr lang="en-US" dirty="0"/>
               <a:pPr/>
-              <a:t>5/15/2023</a:t>
+              <a:t>5/16/2023</a:t>
             </a:fld>
             <a:endParaRPr lang="en-US" dirty="0"/>
           </a:p>
@@ -8602,7 +8603,7 @@
             <a:fld id="{5586B75A-687E-405C-8A0B-8D00578BA2C3}" type="datetimeFigureOut">
               <a:rPr lang="en-US" dirty="0"/>
               <a:pPr/>
-              <a:t>5/15/2023</a:t>
+              <a:t>5/16/2023</a:t>
             </a:fld>
             <a:endParaRPr lang="en-US" dirty="0"/>
           </a:p>
@@ -8861,7 +8862,7 @@
             <a:fld id="{5586B75A-687E-405C-8A0B-8D00578BA2C3}" type="datetimeFigureOut">
               <a:rPr lang="en-US" dirty="0"/>
               <a:pPr/>
-              <a:t>5/15/2023</a:t>
+              <a:t>5/16/2023</a:t>
             </a:fld>
             <a:endParaRPr lang="en-US" dirty="0"/>
           </a:p>
@@ -9148,7 +9149,7 @@
             <a:fld id="{5586B75A-687E-405C-8A0B-8D00578BA2C3}" type="datetimeFigureOut">
               <a:rPr lang="en-US" dirty="0"/>
               <a:pPr/>
-              <a:t>5/15/2023</a:t>
+              <a:t>5/16/2023</a:t>
             </a:fld>
             <a:endParaRPr lang="en-US" dirty="0"/>
           </a:p>
@@ -9589,7 +9590,7 @@
             <a:fld id="{5586B75A-687E-405C-8A0B-8D00578BA2C3}" type="datetimeFigureOut">
               <a:rPr lang="en-US" dirty="0"/>
               <a:pPr/>
-              <a:t>5/15/2023</a:t>
+              <a:t>5/16/2023</a:t>
             </a:fld>
             <a:endParaRPr lang="en-US" dirty="0"/>
           </a:p>
@@ -9708,7 +9709,7 @@
             <a:fld id="{5586B75A-687E-405C-8A0B-8D00578BA2C3}" type="datetimeFigureOut">
               <a:rPr lang="en-US" dirty="0"/>
               <a:pPr/>
-              <a:t>5/15/2023</a:t>
+              <a:t>5/16/2023</a:t>
             </a:fld>
             <a:endParaRPr lang="en-US" dirty="0"/>
           </a:p>
@@ -9805,7 +9806,7 @@
             <a:fld id="{5586B75A-687E-405C-8A0B-8D00578BA2C3}" type="datetimeFigureOut">
               <a:rPr lang="en-US" dirty="0"/>
               <a:pPr/>
-              <a:t>5/15/2023</a:t>
+              <a:t>5/16/2023</a:t>
             </a:fld>
             <a:endParaRPr lang="en-US" dirty="0"/>
           </a:p>
@@ -10093,7 +10094,7 @@
             <a:fld id="{5586B75A-687E-405C-8A0B-8D00578BA2C3}" type="datetimeFigureOut">
               <a:rPr lang="en-US" dirty="0"/>
               <a:pPr/>
-              <a:t>5/15/2023</a:t>
+              <a:t>5/16/2023</a:t>
             </a:fld>
             <a:endParaRPr lang="en-US" dirty="0"/>
           </a:p>
@@ -10363,7 +10364,7 @@
             <a:fld id="{5586B75A-687E-405C-8A0B-8D00578BA2C3}" type="datetimeFigureOut">
               <a:rPr lang="en-US" dirty="0"/>
               <a:pPr/>
-              <a:t>5/15/2023</a:t>
+              <a:t>5/16/2023</a:t>
             </a:fld>
             <a:endParaRPr lang="en-US" dirty="0"/>
           </a:p>
@@ -10660,7 +10661,7 @@
             <a:fld id="{5586B75A-687E-405C-8A0B-8D00578BA2C3}" type="datetimeFigureOut">
               <a:rPr lang="en-US" dirty="0"/>
               <a:pPr/>
-              <a:t>5/15/2023</a:t>
+              <a:t>5/16/2023</a:t>
             </a:fld>
             <a:endParaRPr lang="en-US" dirty="0"/>
           </a:p>
@@ -11492,6 +11493,89 @@
 <file path=ppt/slides/slide3.xml><?xml version="1.0" encoding="utf-8"?>
 <p:sld xmlns:a="http://schemas.openxmlformats.org/drawingml/2006/main" xmlns:r="http://schemas.openxmlformats.org/officeDocument/2006/relationships" xmlns:p="http://schemas.openxmlformats.org/presentationml/2006/main">
   <p:cSld>
+    <p:spTree>
+      <p:nvGrpSpPr>
+        <p:cNvPr id="1" name=""/>
+        <p:cNvGrpSpPr/>
+        <p:nvPr/>
+      </p:nvGrpSpPr>
+      <p:grpSpPr>
+        <a:xfrm>
+          <a:off x="0" y="0"/>
+          <a:ext cx="0" cy="0"/>
+          <a:chOff x="0" y="0"/>
+          <a:chExt cx="0" cy="0"/>
+        </a:xfrm>
+      </p:grpSpPr>
+      <p:sp>
+        <p:nvSpPr>
+          <p:cNvPr id="2" name="Title 1">
+            <a:extLst>
+              <a:ext uri="{FF2B5EF4-FFF2-40B4-BE49-F238E27FC236}">
+                <a16:creationId xmlns:a16="http://schemas.microsoft.com/office/drawing/2014/main" id="{57DA2337-2AFB-C180-1CC7-7E983AF431E1}"/>
+              </a:ext>
+            </a:extLst>
+          </p:cNvPr>
+          <p:cNvSpPr>
+            <a:spLocks noGrp="1"/>
+          </p:cNvSpPr>
+          <p:nvPr>
+            <p:ph type="title"/>
+          </p:nvPr>
+        </p:nvSpPr>
+        <p:spPr/>
+        <p:txBody>
+          <a:bodyPr/>
+          <a:lstStyle/>
+          <a:p>
+            <a:r>
+              <a:rPr lang="en-GB" dirty="0"/>
+              <a:t>[Video here]</a:t>
+            </a:r>
+          </a:p>
+        </p:txBody>
+      </p:sp>
+      <p:sp>
+        <p:nvSpPr>
+          <p:cNvPr id="3" name="Content Placeholder 2">
+            <a:extLst>
+              <a:ext uri="{FF2B5EF4-FFF2-40B4-BE49-F238E27FC236}">
+                <a16:creationId xmlns:a16="http://schemas.microsoft.com/office/drawing/2014/main" id="{8BBBC28D-3A96-27A0-5B43-FF8525BE7985}"/>
+              </a:ext>
+            </a:extLst>
+          </p:cNvPr>
+          <p:cNvSpPr>
+            <a:spLocks noGrp="1"/>
+          </p:cNvSpPr>
+          <p:nvPr>
+            <p:ph idx="1"/>
+          </p:nvPr>
+        </p:nvSpPr>
+        <p:spPr/>
+        <p:txBody>
+          <a:bodyPr/>
+          <a:lstStyle/>
+          <a:p>
+            <a:endParaRPr lang="en-GB"/>
+          </a:p>
+        </p:txBody>
+      </p:sp>
+    </p:spTree>
+    <p:extLst>
+      <p:ext uri="{BB962C8B-B14F-4D97-AF65-F5344CB8AC3E}">
+        <p14:creationId xmlns:p14="http://schemas.microsoft.com/office/powerpoint/2010/main" val="2043863424"/>
+      </p:ext>
+    </p:extLst>
+  </p:cSld>
+  <p:clrMapOvr>
+    <a:masterClrMapping/>
+  </p:clrMapOvr>
+</p:sld>
+</file>
+
+<file path=ppt/slides/slide4.xml><?xml version="1.0" encoding="utf-8"?>
+<p:sld xmlns:a="http://schemas.openxmlformats.org/drawingml/2006/main" xmlns:r="http://schemas.openxmlformats.org/officeDocument/2006/relationships" xmlns:p="http://schemas.openxmlformats.org/presentationml/2006/main">
+  <p:cSld>
     <p:bg>
       <p:bgPr>
         <a:solidFill>
@@ -11773,7 +11857,7 @@
 </p:sld>
 </file>
 
-<file path=ppt/slides/slide4.xml><?xml version="1.0" encoding="utf-8"?>
+<file path=ppt/slides/slide5.xml><?xml version="1.0" encoding="utf-8"?>
 <p:sld xmlns:a="http://schemas.openxmlformats.org/drawingml/2006/main" xmlns:r="http://schemas.openxmlformats.org/officeDocument/2006/relationships" xmlns:p="http://schemas.openxmlformats.org/presentationml/2006/main">
   <p:cSld>
     <p:spTree>
@@ -11859,7 +11943,7 @@
 </p:sld>
 </file>
 
-<file path=ppt/slides/slide5.xml><?xml version="1.0" encoding="utf-8"?>
+<file path=ppt/slides/slide6.xml><?xml version="1.0" encoding="utf-8"?>
 <p:sld xmlns:a="http://schemas.openxmlformats.org/drawingml/2006/main" xmlns:r="http://schemas.openxmlformats.org/officeDocument/2006/relationships" xmlns:p="http://schemas.openxmlformats.org/presentationml/2006/main">
   <p:cSld>
     <p:bg>
@@ -12243,7 +12327,7 @@
 </p:sld>
 </file>
 
-<file path=ppt/slides/slide6.xml><?xml version="1.0" encoding="utf-8"?>
+<file path=ppt/slides/slide7.xml><?xml version="1.0" encoding="utf-8"?>
 <p:sld xmlns:a="http://schemas.openxmlformats.org/drawingml/2006/main" xmlns:r="http://schemas.openxmlformats.org/officeDocument/2006/relationships" xmlns:p="http://schemas.openxmlformats.org/presentationml/2006/main">
   <p:cSld>
     <p:spTree>
